--- a/Chapter 9.pptx
+++ b/Chapter 9.pptx
@@ -116,6 +116,22 @@
       </a:defRPr>
     </a:lvl9pPr>
   </p:defaultTextStyle>
+  <p:extLst>
+    <p:ext uri="{EFAFB233-063F-42B5-8137-9DF3F51BA10A}">
+      <p15:sldGuideLst xmlns:p15="http://schemas.microsoft.com/office/powerpoint/2012/main">
+        <p15:guide id="1" orient="horz" pos="2160">
+          <p15:clr>
+            <a:srgbClr val="A4A3A4"/>
+          </p15:clr>
+        </p15:guide>
+        <p15:guide id="2" pos="2880">
+          <p15:clr>
+            <a:srgbClr val="A4A3A4"/>
+          </p15:clr>
+        </p15:guide>
+      </p15:sldGuideLst>
+    </p:ext>
+  </p:extLst>
 </p:presentation>
 </file>
 
@@ -745,7 +761,7 @@
             <a:fld id="{1D8BD707-D9CF-40AE-B4C6-C98DA3205C09}" type="datetimeFigureOut">
               <a:rPr lang="en-US" smtClean="0"/>
               <a:pPr/>
-              <a:t>23-Apr-18</a:t>
+              <a:t>5/6/2018</a:t>
             </a:fld>
             <a:endParaRPr lang="en-US"/>
           </a:p>
@@ -943,7 +959,7 @@
             <a:fld id="{1D8BD707-D9CF-40AE-B4C6-C98DA3205C09}" type="datetimeFigureOut">
               <a:rPr lang="en-US" smtClean="0"/>
               <a:pPr/>
-              <a:t>23-Apr-18</a:t>
+              <a:t>5/6/2018</a:t>
             </a:fld>
             <a:endParaRPr lang="en-US"/>
           </a:p>
@@ -1130,7 +1146,7 @@
             <a:fld id="{1D8BD707-D9CF-40AE-B4C6-C98DA3205C09}" type="datetimeFigureOut">
               <a:rPr lang="en-US" smtClean="0"/>
               <a:pPr/>
-              <a:t>23-Apr-18</a:t>
+              <a:t>5/6/2018</a:t>
             </a:fld>
             <a:endParaRPr lang="en-US"/>
           </a:p>
@@ -1282,7 +1298,7 @@
             <a:fld id="{1D8BD707-D9CF-40AE-B4C6-C98DA3205C09}" type="datetimeFigureOut">
               <a:rPr lang="en-US" smtClean="0"/>
               <a:pPr/>
-              <a:t>23-Apr-18</a:t>
+              <a:t>5/6/2018</a:t>
             </a:fld>
             <a:endParaRPr lang="en-US"/>
           </a:p>
@@ -1539,7 +1555,7 @@
             <a:fld id="{1D8BD707-D9CF-40AE-B4C6-C98DA3205C09}" type="datetimeFigureOut">
               <a:rPr lang="en-US" smtClean="0"/>
               <a:pPr/>
-              <a:t>23-Apr-18</a:t>
+              <a:t>5/6/2018</a:t>
             </a:fld>
             <a:endParaRPr lang="en-US"/>
           </a:p>
@@ -1950,7 +1966,7 @@
             <a:fld id="{1D8BD707-D9CF-40AE-B4C6-C98DA3205C09}" type="datetimeFigureOut">
               <a:rPr lang="en-US" smtClean="0"/>
               <a:pPr/>
-              <a:t>23-Apr-18</a:t>
+              <a:t>5/6/2018</a:t>
             </a:fld>
             <a:endParaRPr lang="en-US"/>
           </a:p>
@@ -2398,7 +2414,7 @@
             <a:fld id="{1D8BD707-D9CF-40AE-B4C6-C98DA3205C09}" type="datetimeFigureOut">
               <a:rPr lang="en-US" smtClean="0"/>
               <a:pPr/>
-              <a:t>23-Apr-18</a:t>
+              <a:t>5/6/2018</a:t>
             </a:fld>
             <a:endParaRPr lang="en-US"/>
           </a:p>
@@ -2501,7 +2517,7 @@
             <a:fld id="{1D8BD707-D9CF-40AE-B4C6-C98DA3205C09}" type="datetimeFigureOut">
               <a:rPr lang="en-US" smtClean="0"/>
               <a:pPr/>
-              <a:t>23-Apr-18</a:t>
+              <a:t>5/6/2018</a:t>
             </a:fld>
             <a:endParaRPr lang="en-US"/>
           </a:p>
@@ -2624,7 +2640,7 @@
             <a:fld id="{1D8BD707-D9CF-40AE-B4C6-C98DA3205C09}" type="datetimeFigureOut">
               <a:rPr lang="en-US" smtClean="0"/>
               <a:pPr/>
-              <a:t>23-Apr-18</a:t>
+              <a:t>5/6/2018</a:t>
             </a:fld>
             <a:endParaRPr lang="en-US"/>
           </a:p>
@@ -2900,7 +2916,7 @@
             <a:fld id="{1D8BD707-D9CF-40AE-B4C6-C98DA3205C09}" type="datetimeFigureOut">
               <a:rPr lang="en-US" smtClean="0"/>
               <a:pPr/>
-              <a:t>23-Apr-18</a:t>
+              <a:t>5/6/2018</a:t>
             </a:fld>
             <a:endParaRPr lang="en-US"/>
           </a:p>
@@ -3107,7 +3123,7 @@
             <a:fld id="{1D8BD707-D9CF-40AE-B4C6-C98DA3205C09}" type="datetimeFigureOut">
               <a:rPr lang="en-US" smtClean="0"/>
               <a:pPr/>
-              <a:t>23-Apr-18</a:t>
+              <a:t>5/6/2018</a:t>
             </a:fld>
             <a:endParaRPr lang="en-US"/>
           </a:p>
@@ -4218,7 +4234,7 @@
             <a:fld id="{1D8BD707-D9CF-40AE-B4C6-C98DA3205C09}" type="datetimeFigureOut">
               <a:rPr lang="en-US" smtClean="0"/>
               <a:pPr/>
-              <a:t>23-Apr-18</a:t>
+              <a:t>5/6/2018</a:t>
             </a:fld>
             <a:endParaRPr lang="en-US"/>
           </a:p>
@@ -5452,7 +5468,11 @@
           <a:lstStyle/>
           <a:p>
             <a:r>
-              <a:rPr lang="en-US" dirty="0" smtClean="0"/>
+              <a:rPr lang="en-US" dirty="0" smtClean="0">
+                <a:solidFill>
+                  <a:srgbClr val="FF0000"/>
+                </a:solidFill>
+              </a:rPr>
               <a:t>Signed and Unsigned numbers must be interpreted accordingly</a:t>
             </a:r>
           </a:p>
@@ -5575,6 +5595,13 @@
   <p:clrMapOvr>
     <a:masterClrMapping/>
   </p:clrMapOvr>
+  <p:timing>
+    <p:tnLst>
+      <p:par>
+        <p:cTn id="1" dur="indefinite" restart="never" nodeType="tmRoot"/>
+      </p:par>
+    </p:tnLst>
+  </p:timing>
 </p:sld>
 </file>
 
@@ -6004,15 +6031,7 @@
             <a:pPr lvl="2"/>
             <a:r>
               <a:rPr lang="en-US" dirty="0" smtClean="0"/>
-              <a:t>0: upper </a:t>
-            </a:r>
-            <a:r>
-              <a:rPr lang="en-US" dirty="0" smtClean="0"/>
-              <a:t>half of result is </a:t>
-            </a:r>
-            <a:r>
-              <a:rPr lang="en-US" dirty="0" smtClean="0"/>
-              <a:t>0</a:t>
+              <a:t>0: upper half of result is 0</a:t>
             </a:r>
           </a:p>
           <a:p>
@@ -6094,7 +6113,7 @@
         </p:nvSpPr>
         <p:spPr>
           <a:xfrm>
-            <a:off x="3962400" y="2438400"/>
+            <a:off x="3962400" y="2362200"/>
             <a:ext cx="4800600" cy="1015663"/>
           </a:xfrm>
           <a:prstGeom prst="rect">
@@ -7343,11 +7362,7 @@
             <a:pPr lvl="1"/>
             <a:r>
               <a:rPr lang="en-US" dirty="0" smtClean="0"/>
-              <a:t>Quotient and remainder are </a:t>
-            </a:r>
-            <a:r>
-              <a:rPr lang="en-US" dirty="0" smtClean="0"/>
-              <a:t>the same </a:t>
+              <a:t>Quotient and remainder are the same </a:t>
             </a:r>
             <a:r>
               <a:rPr lang="en-US" b="1" dirty="0" smtClean="0"/>
